--- a/resources/MTH207-RGuide.pptx
+++ b/resources/MTH207-RGuide.pptx
@@ -1143,7 +1143,7 @@
           </a:ln>
           <a:extLst>
             <a:ext uri="{C572A759-6A51-4108-AA02-DFA0A04FC94B}">
-              <ma14:wrappingTextBoxFlag xmlns:ma14="http://schemas.microsoft.com/office/mac/drawingml/2011/main" xmlns="" val="1"/>
+              <ma14:wrappingTextBoxFlag xmlns="" xmlns:ma14="http://schemas.microsoft.com/office/mac/drawingml/2011/main" val="1"/>
             </a:ext>
           </a:extLst>
         </p:spPr>
@@ -1186,7 +1186,7 @@
           </a:ln>
           <a:extLst>
             <a:ext uri="{C572A759-6A51-4108-AA02-DFA0A04FC94B}">
-              <ma14:wrappingTextBoxFlag xmlns:ma14="http://schemas.microsoft.com/office/mac/drawingml/2011/main" xmlns="" val="1"/>
+              <ma14:wrappingTextBoxFlag xmlns="" xmlns:ma14="http://schemas.microsoft.com/office/mac/drawingml/2011/main" val="1"/>
             </a:ext>
           </a:extLst>
         </p:spPr>
@@ -2080,7 +2080,13 @@
                 <a:rPr lang="en-US" sz="800" dirty="0" smtClean="0">
                   <a:latin typeface="Source Sans Pro Light"/>
                 </a:rPr>
-                <a:t> and put in a the new </a:t>
+                <a:t> and put </a:t>
+              </a:r>
+              <a:r>
+                <a:rPr lang="en-US" sz="800" dirty="0" smtClean="0">
+                  <a:latin typeface="Source Sans Pro Light"/>
+                </a:rPr>
+                <a:t>in the </a:t>
               </a:r>
               <a:r>
                 <a:rPr lang="en-US" sz="800" dirty="0" err="1" smtClean="0">
@@ -2214,7 +2220,29 @@
                   <a:ea typeface="Microsoft Yi Baiti" panose="03000500000000000000" pitchFamily="66" charset="0"/>
                   <a:cs typeface="Arabic Typesetting" panose="03020402040406030203" pitchFamily="66" charset="-78"/>
                 </a:rPr>
-                <a:t> == value	# equal to</a:t>
+                <a:t> == value	</a:t>
+              </a:r>
+              <a:r>
+                <a:rPr lang="en-US" sz="800" dirty="0" smtClean="0">
+                  <a:solidFill>
+                    <a:srgbClr val="C00000"/>
+                  </a:solidFill>
+                  <a:latin typeface="Source Sans Pro Light"/>
+                  <a:ea typeface="Microsoft Yi Baiti" panose="03000500000000000000" pitchFamily="66" charset="0"/>
+                  <a:cs typeface="Arabic Typesetting" panose="03020402040406030203" pitchFamily="66" charset="-78"/>
+                </a:rPr>
+                <a:t>                    # </a:t>
+              </a:r>
+              <a:r>
+                <a:rPr lang="en-US" sz="800" dirty="0">
+                  <a:solidFill>
+                    <a:srgbClr val="C00000"/>
+                  </a:solidFill>
+                  <a:latin typeface="Source Sans Pro Light"/>
+                  <a:ea typeface="Microsoft Yi Baiti" panose="03000500000000000000" pitchFamily="66" charset="0"/>
+                  <a:cs typeface="Arabic Typesetting" panose="03020402040406030203" pitchFamily="66" charset="-78"/>
+                </a:rPr>
+                <a:t>equal to</a:t>
               </a:r>
             </a:p>
             <a:p>
@@ -2249,7 +2277,29 @@
                   <a:ea typeface="Microsoft Yi Baiti" panose="03000500000000000000" pitchFamily="66" charset="0"/>
                   <a:cs typeface="Arabic Typesetting" panose="03020402040406030203" pitchFamily="66" charset="-78"/>
                 </a:rPr>
-                <a:t> != value 	# not equal to</a:t>
+                <a:t> != value 	</a:t>
+              </a:r>
+              <a:r>
+                <a:rPr lang="en-US" sz="800" dirty="0" smtClean="0">
+                  <a:solidFill>
+                    <a:srgbClr val="C00000"/>
+                  </a:solidFill>
+                  <a:latin typeface="Source Sans Pro Light"/>
+                  <a:ea typeface="Microsoft Yi Baiti" panose="03000500000000000000" pitchFamily="66" charset="0"/>
+                  <a:cs typeface="Arabic Typesetting" panose="03020402040406030203" pitchFamily="66" charset="-78"/>
+                </a:rPr>
+                <a:t>                    # </a:t>
+              </a:r>
+              <a:r>
+                <a:rPr lang="en-US" sz="800" dirty="0">
+                  <a:solidFill>
+                    <a:srgbClr val="C00000"/>
+                  </a:solidFill>
+                  <a:latin typeface="Source Sans Pro Light"/>
+                  <a:ea typeface="Microsoft Yi Baiti" panose="03000500000000000000" pitchFamily="66" charset="0"/>
+                  <a:cs typeface="Arabic Typesetting" panose="03020402040406030203" pitchFamily="66" charset="-78"/>
+                </a:rPr>
+                <a:t>not equal to</a:t>
               </a:r>
             </a:p>
             <a:p>
@@ -2284,7 +2334,29 @@
                   <a:ea typeface="Microsoft Yi Baiti" panose="03000500000000000000" pitchFamily="66" charset="0"/>
                   <a:cs typeface="Arabic Typesetting" panose="03020402040406030203" pitchFamily="66" charset="-78"/>
                 </a:rPr>
-                <a:t> &gt; value	# greater than</a:t>
+                <a:t> &gt; value	</a:t>
+              </a:r>
+              <a:r>
+                <a:rPr lang="en-US" sz="800" dirty="0" smtClean="0">
+                  <a:solidFill>
+                    <a:srgbClr val="C00000"/>
+                  </a:solidFill>
+                  <a:latin typeface="Source Sans Pro Light"/>
+                  <a:ea typeface="Microsoft Yi Baiti" panose="03000500000000000000" pitchFamily="66" charset="0"/>
+                  <a:cs typeface="Arabic Typesetting" panose="03020402040406030203" pitchFamily="66" charset="-78"/>
+                </a:rPr>
+                <a:t>                    # </a:t>
+              </a:r>
+              <a:r>
+                <a:rPr lang="en-US" sz="800" dirty="0">
+                  <a:solidFill>
+                    <a:srgbClr val="C00000"/>
+                  </a:solidFill>
+                  <a:latin typeface="Source Sans Pro Light"/>
+                  <a:ea typeface="Microsoft Yi Baiti" panose="03000500000000000000" pitchFamily="66" charset="0"/>
+                  <a:cs typeface="Arabic Typesetting" panose="03020402040406030203" pitchFamily="66" charset="-78"/>
+                </a:rPr>
+                <a:t>greater than</a:t>
               </a:r>
             </a:p>
             <a:p>
@@ -2319,7 +2391,29 @@
                   <a:ea typeface="Microsoft Yi Baiti" panose="03000500000000000000" pitchFamily="66" charset="0"/>
                   <a:cs typeface="Arabic Typesetting" panose="03020402040406030203" pitchFamily="66" charset="-78"/>
                 </a:rPr>
-                <a:t> &gt;= value 	# greater than or equal</a:t>
+                <a:t> &gt;= value 	</a:t>
+              </a:r>
+              <a:r>
+                <a:rPr lang="en-US" sz="800" dirty="0" smtClean="0">
+                  <a:solidFill>
+                    <a:srgbClr val="C00000"/>
+                  </a:solidFill>
+                  <a:latin typeface="Source Sans Pro Light"/>
+                  <a:ea typeface="Microsoft Yi Baiti" panose="03000500000000000000" pitchFamily="66" charset="0"/>
+                  <a:cs typeface="Arabic Typesetting" panose="03020402040406030203" pitchFamily="66" charset="-78"/>
+                </a:rPr>
+                <a:t>                    # </a:t>
+              </a:r>
+              <a:r>
+                <a:rPr lang="en-US" sz="800" dirty="0">
+                  <a:solidFill>
+                    <a:srgbClr val="C00000"/>
+                  </a:solidFill>
+                  <a:latin typeface="Source Sans Pro Light"/>
+                  <a:ea typeface="Microsoft Yi Baiti" panose="03000500000000000000" pitchFamily="66" charset="0"/>
+                  <a:cs typeface="Arabic Typesetting" panose="03020402040406030203" pitchFamily="66" charset="-78"/>
+                </a:rPr>
+                <a:t>greater than or equal</a:t>
               </a:r>
             </a:p>
             <a:p>
@@ -2502,10 +2596,10 @@
                   <a:ea typeface="Microsoft Yi Baiti" panose="03000500000000000000" pitchFamily="66" charset="0"/>
                   <a:cs typeface="Arabic Typesetting" panose="03020402040406030203" pitchFamily="66" charset="-78"/>
                 </a:rPr>
-                <a:t>)   </a:t>
-              </a:r>
-              <a:r>
-                <a:rPr lang="en-US" sz="800" dirty="0">
+                <a:t>) </a:t>
+              </a:r>
+              <a:r>
+                <a:rPr lang="en-US" sz="800" dirty="0" smtClean="0">
                   <a:solidFill>
                     <a:srgbClr val="C00000"/>
                   </a:solidFill>
@@ -2513,7 +2607,18 @@
                   <a:ea typeface="Microsoft Yi Baiti" panose="03000500000000000000" pitchFamily="66" charset="0"/>
                   <a:cs typeface="Arabic Typesetting" panose="03020402040406030203" pitchFamily="66" charset="-78"/>
                 </a:rPr>
-                <a:t># in the list</a:t>
+                <a:t>  # </a:t>
+              </a:r>
+              <a:r>
+                <a:rPr lang="en-US" sz="800" dirty="0">
+                  <a:solidFill>
+                    <a:srgbClr val="C00000"/>
+                  </a:solidFill>
+                  <a:latin typeface="Source Sans Pro Light"/>
+                  <a:ea typeface="Microsoft Yi Baiti" panose="03000500000000000000" pitchFamily="66" charset="0"/>
+                  <a:cs typeface="Arabic Typesetting" panose="03020402040406030203" pitchFamily="66" charset="-78"/>
+                </a:rPr>
+                <a:t>in the list</a:t>
               </a:r>
             </a:p>
             <a:p>
@@ -2551,7 +2656,7 @@
                 <a:t>, </a:t>
               </a:r>
               <a:r>
-                <a:rPr lang="en-US" sz="800" dirty="0" err="1">
+                <a:rPr lang="en-US" sz="800" dirty="0" err="1" smtClean="0">
                   <a:solidFill>
                     <a:srgbClr val="C00000"/>
                   </a:solidFill>
@@ -2562,7 +2667,7 @@
                 <a:t>cond</a:t>
               </a:r>
               <a:r>
-                <a:rPr lang="en-US" sz="800" dirty="0">
+                <a:rPr lang="en-US" sz="800" dirty="0" smtClean="0">
                   <a:solidFill>
                     <a:srgbClr val="C00000"/>
                   </a:solidFill>
@@ -2570,7 +2675,18 @@
                   <a:ea typeface="Microsoft Yi Baiti" panose="03000500000000000000" pitchFamily="66" charset="0"/>
                   <a:cs typeface="Arabic Typesetting" panose="03020402040406030203" pitchFamily="66" charset="-78"/>
                 </a:rPr>
-                <a:t>	# both conditions met</a:t>
+                <a:t>                                # </a:t>
+              </a:r>
+              <a:r>
+                <a:rPr lang="en-US" sz="800" dirty="0">
+                  <a:solidFill>
+                    <a:srgbClr val="C00000"/>
+                  </a:solidFill>
+                  <a:latin typeface="Source Sans Pro Light"/>
+                  <a:ea typeface="Microsoft Yi Baiti" panose="03000500000000000000" pitchFamily="66" charset="0"/>
+                  <a:cs typeface="Arabic Typesetting" panose="03020402040406030203" pitchFamily="66" charset="-78"/>
+                </a:rPr>
+                <a:t>both conditions met</a:t>
               </a:r>
             </a:p>
             <a:p>
@@ -2638,7 +2754,25 @@
                 <a:rPr lang="en-US" sz="800" dirty="0" smtClean="0">
                   <a:latin typeface="Source Sans Pro Light"/>
                 </a:rPr>
-                <a:t> replaced by a number or category level (</a:t>
+                <a:t> replaced by a number or category </a:t>
+              </a:r>
+              <a:r>
+                <a:rPr lang="en-US" sz="800" dirty="0" smtClean="0">
+                  <a:latin typeface="Source Sans Pro Light"/>
+                </a:rPr>
+                <a:t>name</a:t>
+              </a:r>
+              <a:r>
+                <a:rPr lang="en-US" sz="800" dirty="0" smtClean="0">
+                  <a:latin typeface="Source Sans Pro Light"/>
+                </a:rPr>
+                <a:t> </a:t>
+              </a:r>
+              <a:r>
+                <a:rPr lang="en-US" sz="800" dirty="0" smtClean="0">
+                  <a:latin typeface="Source Sans Pro Light"/>
+                </a:rPr>
+                <a:t>(</a:t>
               </a:r>
               <a:r>
                 <a:rPr lang="en-US" sz="800" i="1" dirty="0" smtClean="0">
@@ -2703,7 +2837,7 @@
             </a:ln>
             <a:extLst>
               <a:ext uri="{C572A759-6A51-4108-AA02-DFA0A04FC94B}">
-                <ma14:wrappingTextBoxFlag xmlns:ma14="http://schemas.microsoft.com/office/mac/drawingml/2011/main" xmlns="" val="1"/>
+                <ma14:wrappingTextBoxFlag xmlns="" xmlns:ma14="http://schemas.microsoft.com/office/mac/drawingml/2011/main" val="1"/>
               </a:ext>
             </a:extLst>
           </p:spPr>
@@ -3755,17 +3889,26 @@
                   <a:cs typeface="Source Sans Pro Light"/>
                   <a:sym typeface="Source Sans Pro Light"/>
                 </a:rPr>
-                <a:t> the </a:t>
-              </a:r>
-              <a:r>
-                <a:rPr lang="en-US" sz="800" dirty="0" smtClean="0">
+                <a:t> </a:t>
+              </a:r>
+              <a:r>
+                <a:rPr lang="en-US" sz="800" smtClean="0">
+                  <a:latin typeface="Source Sans Pro Light"/>
+                  <a:ea typeface="Source Sans Pro Light"/>
+                  <a:cs typeface="Source Sans Pro Light"/>
+                  <a:sym typeface="Source Sans Pro Light"/>
+                </a:rPr>
+                <a:t>the </a:t>
+              </a:r>
+              <a:r>
+                <a:rPr lang="en-US" sz="800" smtClean="0">
                   <a:latin typeface="Source Sans Pro Light"/>
                   <a:ea typeface="Source Sans Pro Light"/>
                   <a:cs typeface="Source Sans Pro Light"/>
                   <a:sym typeface="Source Sans Pro Light"/>
                   <a:hlinkClick r:id="rId2"/>
                 </a:rPr>
-                <a:t>MTH107 </a:t>
+                <a:t>MTH207 </a:t>
               </a:r>
               <a:r>
                 <a:rPr lang="en-US" sz="800" dirty="0">
@@ -3886,7 +4029,7 @@
                 <a:defRPr sz="1800"/>
               </a:pPr>
               <a:r>
-                <a:rPr lang="en-US" sz="800" b="1" smtClean="0">
+                <a:rPr lang="en-US" sz="800" b="1" dirty="0" smtClean="0">
                   <a:latin typeface="Source Sans Pro Light"/>
                   <a:ea typeface="Source Sans Pro Light"/>
                   <a:cs typeface="Source Sans Pro Light"/>
@@ -3895,7 +4038,7 @@
                 <a:t>LOAD THE EXTERNAL CSV FILE INTO R:</a:t>
               </a:r>
               <a:r>
-                <a:rPr lang="en-US" sz="800" smtClean="0">
+                <a:rPr lang="en-US" sz="800" dirty="0" smtClean="0">
                   <a:latin typeface="Source Sans Pro Light"/>
                   <a:ea typeface="Source Sans Pro Light"/>
                   <a:cs typeface="Source Sans Pro Light"/>
@@ -4106,7 +4249,7 @@
                   <a:cs typeface="Source Sans Pro Light"/>
                   <a:sym typeface="Source Sans Pro Light"/>
                 </a:rPr>
-                <a:t>to load </a:t>
+                <a:t>to </a:t>
               </a:r>
               <a:r>
                 <a:rPr lang="en-US" sz="800" dirty="0" smtClean="0">
@@ -4115,7 +4258,34 @@
                   <a:cs typeface="Source Sans Pro Light"/>
                   <a:sym typeface="Source Sans Pro Light"/>
                 </a:rPr>
-                <a:t>the data into the </a:t>
+                <a:t>load data in </a:t>
+              </a:r>
+              <a:r>
+                <a:rPr lang="en-US" sz="800" i="1" dirty="0" smtClean="0">
+                  <a:latin typeface="Source Sans Pro Light"/>
+                  <a:ea typeface="Source Sans Pro Light"/>
+                  <a:cs typeface="Source Sans Pro Light"/>
+                  <a:sym typeface="Source Sans Pro Light"/>
+                </a:rPr>
+                <a:t>filename.csv</a:t>
+              </a:r>
+              <a:r>
+                <a:rPr lang="en-US" sz="800" dirty="0" smtClean="0">
+                  <a:latin typeface="Source Sans Pro Light"/>
+                  <a:ea typeface="Source Sans Pro Light"/>
+                  <a:cs typeface="Source Sans Pro Light"/>
+                  <a:sym typeface="Source Sans Pro Light"/>
+                </a:rPr>
+                <a:t> </a:t>
+              </a:r>
+              <a:r>
+                <a:rPr lang="en-US" sz="800" dirty="0" smtClean="0">
+                  <a:latin typeface="Source Sans Pro Light"/>
+                  <a:ea typeface="Source Sans Pro Light"/>
+                  <a:cs typeface="Source Sans Pro Light"/>
+                  <a:sym typeface="Source Sans Pro Light"/>
+                </a:rPr>
+                <a:t>into </a:t>
               </a:r>
               <a:r>
                 <a:rPr lang="en-US" sz="800" dirty="0" err="1" smtClean="0">
@@ -4136,7 +4306,7 @@
                   <a:cs typeface="Source Sans Pro Light"/>
                   <a:sym typeface="Source Sans Pro Light"/>
                 </a:rPr>
-                <a:t> object.</a:t>
+                <a:t>.</a:t>
               </a:r>
               <a:endParaRPr lang="en-US" sz="800" dirty="0">
                 <a:latin typeface="Source Sans Pro Light"/>
@@ -4204,16 +4374,7 @@
                 <a:t>of </a:t>
               </a:r>
               <a:r>
-                <a:rPr lang="en-US" sz="800" dirty="0" smtClean="0">
-                  <a:latin typeface="Source Sans Pro Light"/>
-                  <a:ea typeface="Source Sans Pro Light"/>
-                  <a:cs typeface="Source Sans Pro Light"/>
-                  <a:sym typeface="Source Sans Pro Light"/>
-                </a:rPr>
-                <a:t>the </a:t>
-              </a:r>
-              <a:r>
-                <a:rPr lang="en-US" sz="800" dirty="0" err="1">
+                <a:rPr lang="en-US" sz="800" dirty="0" err="1" smtClean="0">
                   <a:solidFill>
                     <a:srgbClr val="C00000"/>
                   </a:solidFill>
@@ -4223,15 +4384,6 @@
                   <a:sym typeface="Source Sans Pro Light"/>
                 </a:rPr>
                 <a:t>dfobj</a:t>
-              </a:r>
-              <a:r>
-                <a:rPr lang="en-US" sz="800" dirty="0">
-                  <a:latin typeface="Source Sans Pro Light"/>
-                  <a:ea typeface="Source Sans Pro Light"/>
-                  <a:cs typeface="Source Sans Pro Light"/>
-                  <a:sym typeface="Source Sans Pro Light"/>
-                </a:rPr>
-                <a:t> object</a:t>
               </a:r>
               <a:r>
                 <a:rPr lang="en-US" sz="800" dirty="0" smtClean="0">
@@ -4293,7 +4445,7 @@
             </a:ln>
             <a:extLst>
               <a:ext uri="{C572A759-6A51-4108-AA02-DFA0A04FC94B}">
-                <ma14:wrappingTextBoxFlag xmlns:ma14="http://schemas.microsoft.com/office/mac/drawingml/2011/main" xmlns="" val="1"/>
+                <ma14:wrappingTextBoxFlag xmlns="" xmlns:ma14="http://schemas.microsoft.com/office/mac/drawingml/2011/main" val="1"/>
               </a:ext>
             </a:extLst>
           </p:spPr>
@@ -5149,7 +5301,7 @@
             </a:ln>
             <a:extLst>
               <a:ext uri="{C572A759-6A51-4108-AA02-DFA0A04FC94B}">
-                <ma14:wrappingTextBoxFlag xmlns:ma14="http://schemas.microsoft.com/office/mac/drawingml/2011/main" xmlns="" val="1"/>
+                <ma14:wrappingTextBoxFlag xmlns="" xmlns:ma14="http://schemas.microsoft.com/office/mac/drawingml/2011/main" val="1"/>
               </a:ext>
             </a:extLst>
           </p:spPr>
@@ -5563,7 +5715,7 @@
                 <a:t>lev2</a:t>
               </a:r>
               <a:r>
-                <a:rPr lang="en-US" sz="800" b="1" dirty="0">
+                <a:rPr lang="en-US" sz="800" b="1" dirty="0" smtClean="0">
                   <a:solidFill>
                     <a:srgbClr val="C00000"/>
                   </a:solidFill>
@@ -5580,7 +5732,37 @@
                   <a:latin typeface="Source Sans Pro Semibold"/>
                   <a:ea typeface="Microsoft Yi Baiti" panose="03000500000000000000" pitchFamily="66" charset="0"/>
                 </a:rPr>
-                <a:t>,”lev3</a:t>
+                <a:t>,</a:t>
+              </a:r>
+              <a:r>
+                <a:rPr lang="en-US" sz="800" b="1" dirty="0">
+                  <a:solidFill>
+                    <a:srgbClr val="C00000"/>
+                  </a:solidFill>
+                  <a:latin typeface="Source Sans Pro Semibold" panose="020B0603030403020204" pitchFamily="34" charset="0"/>
+                  <a:cs typeface="Courier New" panose="02070309020205020404" pitchFamily="49" charset="0"/>
+                </a:rPr>
+                <a:t> </a:t>
+              </a:r>
+              <a:r>
+                <a:rPr lang="en-US" sz="800" b="1" dirty="0" smtClean="0">
+                  <a:solidFill>
+                    <a:srgbClr val="C00000"/>
+                  </a:solidFill>
+                  <a:latin typeface="Source Sans Pro Semibold" panose="020B0603030403020204" pitchFamily="34" charset="0"/>
+                  <a:cs typeface="Courier New" panose="02070309020205020404" pitchFamily="49" charset="0"/>
+                </a:rPr>
+                <a:t>"</a:t>
+              </a:r>
+              <a:r>
+                <a:rPr lang="en-US" sz="800" dirty="0" smtClean="0">
+                  <a:solidFill>
+                    <a:srgbClr val="C00000"/>
+                  </a:solidFill>
+                  <a:latin typeface="Source Sans Pro Semibold"/>
+                  <a:ea typeface="Microsoft Yi Baiti" panose="03000500000000000000" pitchFamily="66" charset="0"/>
+                </a:rPr>
+                <a:t>lev3</a:t>
               </a:r>
               <a:r>
                 <a:rPr lang="en-US" sz="800" b="1" dirty="0">
@@ -6193,7 +6375,64 @@
                 <a:rPr lang="en-US" sz="800" dirty="0" smtClean="0">
                   <a:latin typeface="Source Sans Pro Light"/>
                 </a:rPr>
-                <a:t>. Save the result to an object.</a:t>
+                <a:t>. </a:t>
+              </a:r>
+              <a:r>
+                <a:rPr lang="en-US" sz="800" dirty="0" smtClean="0">
+                  <a:latin typeface="Source Sans Pro Light"/>
+                </a:rPr>
+                <a:t>Note </a:t>
+              </a:r>
+              <a:r>
+                <a:rPr lang="en-US" sz="800" dirty="0" err="1">
+                  <a:solidFill>
+                    <a:srgbClr val="C00000"/>
+                  </a:solidFill>
+                  <a:latin typeface="Source Sans Pro Light"/>
+                </a:rPr>
+                <a:t>qvar</a:t>
+              </a:r>
+              <a:r>
+                <a:rPr lang="en-US" sz="800" dirty="0">
+                  <a:latin typeface="Source Sans Pro Light"/>
+                </a:rPr>
+                <a:t> is a quantitative variable and </a:t>
+              </a:r>
+              <a:r>
+                <a:rPr lang="en-US" sz="800" dirty="0" err="1">
+                  <a:solidFill>
+                    <a:srgbClr val="C00000"/>
+                  </a:solidFill>
+                  <a:latin typeface="Source Sans Pro Light"/>
+                </a:rPr>
+                <a:t>fvar</a:t>
+              </a:r>
+              <a:r>
+                <a:rPr lang="en-US" sz="800" dirty="0">
+                  <a:latin typeface="Source Sans Pro Light"/>
+                </a:rPr>
+                <a:t> is a factor (or grouping) variable. The response variable is to the left of </a:t>
+              </a:r>
+              <a:r>
+                <a:rPr lang="en-US" sz="800" dirty="0">
+                  <a:solidFill>
+                    <a:srgbClr val="C00000"/>
+                  </a:solidFill>
+                  <a:latin typeface="Source Sans Pro Light"/>
+                </a:rPr>
+                <a:t>~</a:t>
+              </a:r>
+              <a:r>
+                <a:rPr lang="en-US" sz="800" dirty="0">
+                  <a:latin typeface="Source Sans Pro Light"/>
+                </a:rPr>
+                <a:t>. Save </a:t>
+              </a:r>
+              <a:r>
+                <a:rPr lang="en-US" sz="800" dirty="0" smtClean="0">
+                  <a:latin typeface="Source Sans Pro Light"/>
+                </a:rPr>
+                <a:t>the result to an object.</a:t>
               </a:r>
               <a:endParaRPr lang="en-US" sz="800" dirty="0">
                 <a:latin typeface="Source Sans Pro Light"/>
@@ -6221,81 +6460,6 @@
                   <a:sym typeface="Menlo"/>
                 </a:defRPr>
               </a:pPr>
-              <a:r>
-                <a:rPr lang="en-US" sz="800" dirty="0" smtClean="0">
-                  <a:latin typeface="Source Sans Pro Light"/>
-                </a:rPr>
-                <a:t>Note </a:t>
-              </a:r>
-              <a:r>
-                <a:rPr lang="en-US" sz="800" dirty="0" err="1" smtClean="0">
-                  <a:solidFill>
-                    <a:srgbClr val="C00000"/>
-                  </a:solidFill>
-                  <a:latin typeface="Source Sans Pro Light"/>
-                </a:rPr>
-                <a:t>qvar</a:t>
-              </a:r>
-              <a:r>
-                <a:rPr lang="en-US" sz="800" dirty="0" smtClean="0">
-                  <a:latin typeface="Source Sans Pro Light"/>
-                </a:rPr>
-                <a:t> </a:t>
-              </a:r>
-              <a:r>
-                <a:rPr lang="en-US" sz="800" dirty="0">
-                  <a:latin typeface="Source Sans Pro Light"/>
-                </a:rPr>
-                <a:t>i</a:t>
-              </a:r>
-              <a:r>
-                <a:rPr lang="en-US" sz="800" dirty="0" smtClean="0">
-                  <a:latin typeface="Source Sans Pro Light"/>
-                </a:rPr>
-                <a:t>s a quantitative variable and </a:t>
-              </a:r>
-              <a:r>
-                <a:rPr lang="en-US" sz="800" dirty="0" err="1" smtClean="0">
-                  <a:solidFill>
-                    <a:srgbClr val="C00000"/>
-                  </a:solidFill>
-                  <a:latin typeface="Source Sans Pro Light"/>
-                </a:rPr>
-                <a:t>fvar</a:t>
-              </a:r>
-              <a:r>
-                <a:rPr lang="en-US" sz="800" dirty="0" smtClean="0">
-                  <a:latin typeface="Source Sans Pro Light"/>
-                </a:rPr>
-                <a:t> is </a:t>
-              </a:r>
-              <a:r>
-                <a:rPr lang="en-US" sz="800" dirty="0">
-                  <a:latin typeface="Source Sans Pro Light"/>
-                </a:rPr>
-                <a:t>a </a:t>
-              </a:r>
-              <a:r>
-                <a:rPr lang="en-US" sz="800" dirty="0" smtClean="0">
-                  <a:latin typeface="Source Sans Pro Light"/>
-                </a:rPr>
-                <a:t>factor (or grouping) variable. The response variable is to the left of </a:t>
-              </a:r>
-              <a:r>
-                <a:rPr lang="en-US" sz="800" dirty="0" smtClean="0">
-                  <a:solidFill>
-                    <a:srgbClr val="C00000"/>
-                  </a:solidFill>
-                  <a:latin typeface="Source Sans Pro Light"/>
-                </a:rPr>
-                <a:t>~</a:t>
-              </a:r>
-              <a:r>
-                <a:rPr lang="en-US" sz="800" dirty="0" smtClean="0">
-                  <a:latin typeface="Source Sans Pro Light"/>
-                </a:rPr>
-                <a:t>.</a:t>
-              </a:r>
               <a:endParaRPr lang="en-US" sz="800" dirty="0">
                 <a:latin typeface="Source Sans Pro Light"/>
               </a:endParaRPr>
@@ -6326,7 +6490,7 @@
             </a:ln>
             <a:extLst>
               <a:ext uri="{C572A759-6A51-4108-AA02-DFA0A04FC94B}">
-                <ma14:wrappingTextBoxFlag xmlns:ma14="http://schemas.microsoft.com/office/mac/drawingml/2011/main" xmlns="" val="1"/>
+                <ma14:wrappingTextBoxFlag xmlns="" xmlns:ma14="http://schemas.microsoft.com/office/mac/drawingml/2011/main" val="1"/>
               </a:ext>
             </a:extLst>
           </p:spPr>
@@ -6373,7 +6537,7 @@
           </p:nvSpPr>
           <p:spPr>
             <a:xfrm>
-              <a:off x="6112016" y="519991"/>
+              <a:off x="6112016" y="780679"/>
               <a:ext cx="2834640" cy="670953"/>
             </a:xfrm>
             <a:prstGeom prst="rect">
@@ -7257,7 +7421,7 @@
             </a:ln>
             <a:extLst>
               <a:ext uri="{C572A759-6A51-4108-AA02-DFA0A04FC94B}">
-                <ma14:wrappingTextBoxFlag xmlns:ma14="http://schemas.microsoft.com/office/mac/drawingml/2011/main" xmlns="" val="1"/>
+                <ma14:wrappingTextBoxFlag xmlns="" xmlns:ma14="http://schemas.microsoft.com/office/mac/drawingml/2011/main" val="1"/>
               </a:ext>
             </a:extLst>
           </p:spPr>
@@ -7811,7 +7975,7 @@
             </a:ln>
             <a:extLst>
               <a:ext uri="{C572A759-6A51-4108-AA02-DFA0A04FC94B}">
-                <ma14:wrappingTextBoxFlag xmlns:ma14="http://schemas.microsoft.com/office/mac/drawingml/2011/main" xmlns="" val="1"/>
+                <ma14:wrappingTextBoxFlag xmlns="" xmlns:ma14="http://schemas.microsoft.com/office/mac/drawingml/2011/main" val="1"/>
               </a:ext>
             </a:extLst>
           </p:spPr>
@@ -8802,7 +8966,7 @@
             </a:ln>
             <a:extLst>
               <a:ext uri="{C572A759-6A51-4108-AA02-DFA0A04FC94B}">
-                <ma14:wrappingTextBoxFlag xmlns:ma14="http://schemas.microsoft.com/office/mac/drawingml/2011/main" xmlns="" val="1"/>
+                <ma14:wrappingTextBoxFlag xmlns="" xmlns:ma14="http://schemas.microsoft.com/office/mac/drawingml/2011/main" val="1"/>
               </a:ext>
             </a:extLst>
           </p:spPr>
@@ -9182,7 +9346,7 @@
             </a:ln>
             <a:extLst>
               <a:ext uri="{C572A759-6A51-4108-AA02-DFA0A04FC94B}">
-                <ma14:wrappingTextBoxFlag xmlns:ma14="http://schemas.microsoft.com/office/mac/drawingml/2011/main" xmlns="" val="1"/>
+                <ma14:wrappingTextBoxFlag xmlns="" xmlns:ma14="http://schemas.microsoft.com/office/mac/drawingml/2011/main" val="1"/>
               </a:ext>
             </a:extLst>
           </p:spPr>
@@ -10010,7 +10174,7 @@
             </a:ln>
             <a:extLst>
               <a:ext uri="{C572A759-6A51-4108-AA02-DFA0A04FC94B}">
-                <ma14:wrappingTextBoxFlag xmlns:ma14="http://schemas.microsoft.com/office/mac/drawingml/2011/main" xmlns="" val="1"/>
+                <ma14:wrappingTextBoxFlag xmlns="" xmlns:ma14="http://schemas.microsoft.com/office/mac/drawingml/2011/main" val="1"/>
               </a:ext>
             </a:extLst>
           </p:spPr>
@@ -10838,7 +11002,7 @@
             </a:ln>
             <a:extLst>
               <a:ext uri="{C572A759-6A51-4108-AA02-DFA0A04FC94B}">
-                <ma14:wrappingTextBoxFlag xmlns:ma14="http://schemas.microsoft.com/office/mac/drawingml/2011/main" xmlns="" val="1"/>
+                <ma14:wrappingTextBoxFlag xmlns="" xmlns:ma14="http://schemas.microsoft.com/office/mac/drawingml/2011/main" val="1"/>
               </a:ext>
             </a:extLst>
           </p:spPr>
@@ -10932,7 +11096,7 @@
         </p:nvSpPr>
         <p:spPr>
           <a:xfrm>
-            <a:off x="124159" y="2596301"/>
+            <a:off x="116137" y="2528114"/>
             <a:ext cx="211282" cy="211637"/>
           </a:xfrm>
           <a:prstGeom prst="ellipse">
@@ -11564,7 +11728,7 @@
             </a:ln>
             <a:extLst>
               <a:ext uri="{C572A759-6A51-4108-AA02-DFA0A04FC94B}">
-                <ma14:wrappingTextBoxFlag xmlns:ma14="http://schemas.microsoft.com/office/mac/drawingml/2011/main" xmlns="" val="1"/>
+                <ma14:wrappingTextBoxFlag xmlns="" xmlns:ma14="http://schemas.microsoft.com/office/mac/drawingml/2011/main" val="1"/>
               </a:ext>
             </a:extLst>
           </p:spPr>
@@ -13095,7 +13259,7 @@
             </a:ln>
             <a:extLst>
               <a:ext uri="{C572A759-6A51-4108-AA02-DFA0A04FC94B}">
-                <ma14:wrappingTextBoxFlag xmlns:ma14="http://schemas.microsoft.com/office/mac/drawingml/2011/main" xmlns="" val="1"/>
+                <ma14:wrappingTextBoxFlag xmlns="" xmlns:ma14="http://schemas.microsoft.com/office/mac/drawingml/2011/main" val="1"/>
               </a:ext>
             </a:extLst>
           </p:spPr>
@@ -13545,7 +13709,7 @@
             </a:ln>
             <a:extLst>
               <a:ext uri="{C572A759-6A51-4108-AA02-DFA0A04FC94B}">
-                <ma14:wrappingTextBoxFlag xmlns:ma14="http://schemas.microsoft.com/office/mac/drawingml/2011/main" xmlns="" val="1"/>
+                <ma14:wrappingTextBoxFlag xmlns="" xmlns:ma14="http://schemas.microsoft.com/office/mac/drawingml/2011/main" val="1"/>
               </a:ext>
             </a:extLst>
           </p:spPr>
@@ -13853,7 +14017,7 @@
                   <a:latin typeface="Courier New" panose="02070309020205020404" pitchFamily="49" charset="0"/>
                   <a:cs typeface="Courier New" panose="02070309020205020404" pitchFamily="49" charset="0"/>
                 </a:rPr>
-                <a:t>                        </a:t>
+                <a:t>                       </a:t>
               </a:r>
               <a:r>
                 <a:rPr lang="en-US" sz="600" b="1" dirty="0" err="1" smtClean="0">
@@ -13873,8 +14037,35 @@
                   <a:latin typeface="Courier New" panose="02070309020205020404" pitchFamily="49" charset="0"/>
                   <a:cs typeface="Courier New" panose="02070309020205020404" pitchFamily="49" charset="0"/>
                 </a:rPr>
-                <a:t>=c(1,1,1,1,1,4))</a:t>
-              </a:r>
+                <a:t>=c(1,1,1,1,1,4))  # </a:t>
+              </a:r>
+              <a:r>
+                <a:rPr lang="en-US" sz="600" b="1" dirty="0" err="1" smtClean="0">
+                  <a:solidFill>
+                    <a:srgbClr val="C00000"/>
+                  </a:solidFill>
+                  <a:latin typeface="Courier New" panose="02070309020205020404" pitchFamily="49" charset="0"/>
+                  <a:cs typeface="Courier New" panose="02070309020205020404" pitchFamily="49" charset="0"/>
+                </a:rPr>
+                <a:t>Dunnet’s</a:t>
+              </a:r>
+              <a:r>
+                <a:rPr lang="en-US" sz="600" b="1" dirty="0" smtClean="0">
+                  <a:solidFill>
+                    <a:srgbClr val="C00000"/>
+                  </a:solidFill>
+                  <a:latin typeface="Courier New" panose="02070309020205020404" pitchFamily="49" charset="0"/>
+                  <a:cs typeface="Courier New" panose="02070309020205020404" pitchFamily="49" charset="0"/>
+                </a:rPr>
+                <a:t> example</a:t>
+              </a:r>
+              <a:endParaRPr lang="en-US" sz="600" b="1" dirty="0" smtClean="0">
+                <a:solidFill>
+                  <a:srgbClr val="C00000"/>
+                </a:solidFill>
+                <a:latin typeface="Courier New" panose="02070309020205020404" pitchFamily="49" charset="0"/>
+                <a:cs typeface="Courier New" panose="02070309020205020404" pitchFamily="49" charset="0"/>
+              </a:endParaRPr>
             </a:p>
             <a:p>
               <a:pPr algn="l" latinLnBrk="1"/>
@@ -14196,7 +14387,27 @@
                   <a:latin typeface="Courier New" panose="02070309020205020404" pitchFamily="49" charset="0"/>
                   <a:cs typeface="Courier New" panose="02070309020205020404" pitchFamily="49" charset="0"/>
                 </a:rPr>
-                <a:t>")         # LEFT</a:t>
+                <a:t>")        </a:t>
+              </a:r>
+              <a:r>
+                <a:rPr lang="en-US" sz="600" b="1" dirty="0" smtClean="0">
+                  <a:solidFill>
+                    <a:srgbClr val="C00000"/>
+                  </a:solidFill>
+                  <a:latin typeface="Courier New" panose="02070309020205020404" pitchFamily="49" charset="0"/>
+                  <a:cs typeface="Courier New" panose="02070309020205020404" pitchFamily="49" charset="0"/>
+                </a:rPr>
+                <a:t>      </a:t>
+              </a:r>
+              <a:r>
+                <a:rPr lang="en-US" sz="600" b="1" dirty="0" smtClean="0">
+                  <a:solidFill>
+                    <a:srgbClr val="C00000"/>
+                  </a:solidFill>
+                  <a:latin typeface="Courier New" panose="02070309020205020404" pitchFamily="49" charset="0"/>
+                  <a:cs typeface="Courier New" panose="02070309020205020404" pitchFamily="49" charset="0"/>
+                </a:rPr>
+                <a:t># LEFT</a:t>
               </a:r>
               <a:endParaRPr lang="en-US" sz="600" b="1" dirty="0">
                 <a:solidFill>
@@ -14349,8 +14560,25 @@
                   <a:latin typeface="Courier New" panose="02070309020205020404" pitchFamily="49" charset="0"/>
                   <a:cs typeface="Courier New" panose="02070309020205020404" pitchFamily="49" charset="0"/>
                 </a:rPr>
-                <a:t>=c(2,2,4,4,2,4))   # RIGHT</a:t>
-              </a:r>
+                <a:t>=c(2,2,4,4,2,4))   </a:t>
+              </a:r>
+              <a:r>
+                <a:rPr lang="en-US" sz="600" b="1" dirty="0" smtClean="0">
+                  <a:solidFill>
+                    <a:srgbClr val="C00000"/>
+                  </a:solidFill>
+                  <a:latin typeface="Courier New" panose="02070309020205020404" pitchFamily="49" charset="0"/>
+                  <a:cs typeface="Courier New" panose="02070309020205020404" pitchFamily="49" charset="0"/>
+                </a:rPr>
+                <a:t>     # RIGHT … Tukey’s example</a:t>
+              </a:r>
+              <a:endParaRPr lang="en-US" sz="600" b="1" dirty="0" smtClean="0">
+                <a:solidFill>
+                  <a:srgbClr val="C00000"/>
+                </a:solidFill>
+                <a:latin typeface="Courier New" panose="02070309020205020404" pitchFamily="49" charset="0"/>
+                <a:cs typeface="Courier New" panose="02070309020205020404" pitchFamily="49" charset="0"/>
+              </a:endParaRPr>
             </a:p>
           </p:txBody>
         </p:sp>
@@ -14586,7 +14814,13 @@
                 <a:rPr lang="en-US" sz="800" dirty="0" smtClean="0">
                   <a:latin typeface="Source Sans Pro Light"/>
                 </a:rPr>
-                <a:t>  to position the letters around the mean (2=“left-of” and 4=“right-of”). Must use </a:t>
+                <a:t>  to position the letters around the mean (2=“left-of” and 4=“right-of”). Must </a:t>
+              </a:r>
+              <a:r>
+                <a:rPr lang="en-US" sz="800" dirty="0" smtClean="0">
+                  <a:latin typeface="Source Sans Pro Light"/>
+                </a:rPr>
+                <a:t>use same </a:t>
               </a:r>
               <a:r>
                 <a:rPr lang="en-US" sz="800" dirty="0" err="1">
@@ -14693,7 +14927,7 @@
             </a:ln>
             <a:extLst>
               <a:ext uri="{C572A759-6A51-4108-AA02-DFA0A04FC94B}">
-                <ma14:wrappingTextBoxFlag xmlns:ma14="http://schemas.microsoft.com/office/mac/drawingml/2011/main" xmlns="" val="1"/>
+                <ma14:wrappingTextBoxFlag xmlns="" xmlns:ma14="http://schemas.microsoft.com/office/mac/drawingml/2011/main" val="1"/>
               </a:ext>
             </a:extLst>
           </p:spPr>
@@ -15300,7 +15534,7 @@
             </a:ln>
             <a:extLst>
               <a:ext uri="{C572A759-6A51-4108-AA02-DFA0A04FC94B}">
-                <ma14:wrappingTextBoxFlag xmlns:ma14="http://schemas.microsoft.com/office/mac/drawingml/2011/main" xmlns="" val="1"/>
+                <ma14:wrappingTextBoxFlag xmlns="" xmlns:ma14="http://schemas.microsoft.com/office/mac/drawingml/2011/main" val="1"/>
               </a:ext>
             </a:extLst>
           </p:spPr>
@@ -15470,24 +15704,7 @@
                 <a:latin typeface="Bookman Old Style" panose="02050604050505020204" pitchFamily="18" charset="0"/>
                 <a:sym typeface="Helvetica Light"/>
               </a:rPr>
-              <a:t>Prepared by Dr. Derek H. Ogle for </a:t>
-            </a:r>
-            <a:r>
-              <a:rPr kumimoji="0" lang="en-US" sz="900" b="0" i="0" u="none" strike="noStrike" cap="none" spc="0" normalizeH="0" baseline="0" dirty="0" smtClean="0">
-                <a:ln>
-                  <a:noFill/>
-                </a:ln>
-                <a:solidFill>
-                  <a:schemeClr val="bg1">
-                    <a:lumMod val="50000"/>
-                  </a:schemeClr>
-                </a:solidFill>
-                <a:effectLst/>
-                <a:uFillTx/>
-                <a:latin typeface="Bookman Old Style" panose="02050604050505020204" pitchFamily="18" charset="0"/>
-                <a:sym typeface="Helvetica Light"/>
-              </a:rPr>
-              <a:t>MTH207</a:t>
+              <a:t>Prepared by Dr. Derek H. Ogle for MTH207</a:t>
             </a:r>
             <a:endParaRPr kumimoji="0" lang="en-US" sz="900" b="0" i="0" u="none" strike="noStrike" cap="none" spc="0" normalizeH="0" baseline="0" dirty="0">
               <a:ln>
